--- a/Term 3/Kovarna/Kovarna.pptx
+++ b/Term 3/Kovarna/Kovarna.pptx
@@ -111,6 +111,11 @@
       </a:defRPr>
     </a:lvl9pPr>
   </p:defaultTextStyle>
+  <p:extLst>
+    <p:ext uri="{EFAFB233-063F-42B5-8137-9DF3F51BA10A}">
+      <p15:sldGuideLst xmlns:p15="http://schemas.microsoft.com/office/powerpoint/2012/main"/>
+    </p:ext>
+  </p:extLst>
 </p:presentation>
 </file>
 
@@ -602,7 +607,7 @@
           <a:p>
             <a:fld id="{72345051-2045-45DA-935E-2E3CA1A69ADC}" type="datetimeFigureOut">
               <a:rPr lang="en-US" smtClean="0"/>
-              <a:t>1/28/2021</a:t>
+              <a:t>2/2/2021</a:t>
             </a:fld>
             <a:endParaRPr lang="en-US" dirty="0"/>
           </a:p>
@@ -800,7 +805,7 @@
           <a:p>
             <a:fld id="{72345051-2045-45DA-935E-2E3CA1A69ADC}" type="datetimeFigureOut">
               <a:rPr lang="en-US" smtClean="0"/>
-              <a:t>1/28/2021</a:t>
+              <a:t>2/2/2021</a:t>
             </a:fld>
             <a:endParaRPr lang="en-US"/>
           </a:p>
@@ -1008,7 +1013,7 @@
           <a:p>
             <a:fld id="{72345051-2045-45DA-935E-2E3CA1A69ADC}" type="datetimeFigureOut">
               <a:rPr lang="en-US" smtClean="0"/>
-              <a:t>1/28/2021</a:t>
+              <a:t>2/2/2021</a:t>
             </a:fld>
             <a:endParaRPr lang="en-US"/>
           </a:p>
@@ -1230,7 +1235,7 @@
           <a:p>
             <a:fld id="{72345051-2045-45DA-935E-2E3CA1A69ADC}" type="datetimeFigureOut">
               <a:rPr lang="en-US" smtClean="0"/>
-              <a:t>1/28/2021</a:t>
+              <a:t>2/2/2021</a:t>
             </a:fld>
             <a:endParaRPr lang="en-US"/>
           </a:p>
@@ -2141,7 +2146,7 @@
           <a:p>
             <a:fld id="{72345051-2045-45DA-935E-2E3CA1A69ADC}" type="datetimeFigureOut">
               <a:rPr lang="en-US" smtClean="0"/>
-              <a:t>1/28/2021</a:t>
+              <a:t>2/2/2021</a:t>
             </a:fld>
             <a:endParaRPr lang="en-US"/>
           </a:p>
@@ -2744,7 +2749,7 @@
           <a:p>
             <a:fld id="{72345051-2045-45DA-935E-2E3CA1A69ADC}" type="datetimeFigureOut">
               <a:rPr lang="en-US" smtClean="0"/>
-              <a:t>1/28/2021</a:t>
+              <a:t>2/2/2021</a:t>
             </a:fld>
             <a:endParaRPr lang="en-US"/>
           </a:p>
@@ -3792,7 +3797,7 @@
           <a:p>
             <a:fld id="{72345051-2045-45DA-935E-2E3CA1A69ADC}" type="datetimeFigureOut">
               <a:rPr lang="en-US" smtClean="0"/>
-              <a:t>1/28/2021</a:t>
+              <a:t>2/2/2021</a:t>
             </a:fld>
             <a:endParaRPr lang="en-US"/>
           </a:p>
@@ -4576,7 +4581,7 @@
           <a:p>
             <a:fld id="{72345051-2045-45DA-935E-2E3CA1A69ADC}" type="datetimeFigureOut">
               <a:rPr lang="en-US" smtClean="0"/>
-              <a:t>1/28/2021</a:t>
+              <a:t>2/2/2021</a:t>
             </a:fld>
             <a:endParaRPr lang="en-US"/>
           </a:p>
@@ -5025,7 +5030,7 @@
           <a:p>
             <a:fld id="{72345051-2045-45DA-935E-2E3CA1A69ADC}" type="datetimeFigureOut">
               <a:rPr lang="en-US" smtClean="0"/>
-              <a:t>1/28/2021</a:t>
+              <a:t>2/2/2021</a:t>
             </a:fld>
             <a:endParaRPr lang="en-US"/>
           </a:p>
@@ -5342,7 +5347,7 @@
           <a:p>
             <a:fld id="{72345051-2045-45DA-935E-2E3CA1A69ADC}" type="datetimeFigureOut">
               <a:rPr lang="en-US" smtClean="0"/>
-              <a:t>1/28/2021</a:t>
+              <a:t>2/2/2021</a:t>
             </a:fld>
             <a:endParaRPr lang="en-US"/>
           </a:p>
@@ -5970,7 +5975,7 @@
           <a:p>
             <a:fld id="{72345051-2045-45DA-935E-2E3CA1A69ADC}" type="datetimeFigureOut">
               <a:rPr lang="en-US" smtClean="0"/>
-              <a:t>1/28/2021</a:t>
+              <a:t>2/2/2021</a:t>
             </a:fld>
             <a:endParaRPr lang="en-US"/>
           </a:p>
@@ -6543,7 +6548,7 @@
           <a:p>
             <a:fld id="{72345051-2045-45DA-935E-2E3CA1A69ADC}" type="datetimeFigureOut">
               <a:rPr lang="en-US" smtClean="0"/>
-              <a:t>1/28/2021</a:t>
+              <a:t>2/2/2021</a:t>
             </a:fld>
             <a:endParaRPr lang="en-US" dirty="0"/>
           </a:p>
@@ -7520,98 +7525,6 @@
   <p:clrMapOvr>
     <a:overrideClrMapping bg1="dk1" tx1="lt1" bg2="dk2" tx2="lt2" accent1="accent1" accent2="accent2" accent3="accent3" accent4="accent4" accent5="accent5" accent6="accent6" hlink="hlink" folHlink="folHlink"/>
   </p:clrMapOvr>
-  <p:timing>
-    <p:tnLst>
-      <p:par>
-        <p:cTn id="1" dur="indefinite" restart="never" nodeType="tmRoot">
-          <p:childTnLst>
-            <p:seq concurrent="1" nextAc="seek">
-              <p:cTn id="2" dur="indefinite" nodeType="mainSeq">
-                <p:childTnLst>
-                  <p:par>
-                    <p:cTn id="3" fill="hold">
-                      <p:stCondLst>
-                        <p:cond delay="indefinite"/>
-                        <p:cond evt="onBegin" delay="0">
-                          <p:tn val="2"/>
-                        </p:cond>
-                      </p:stCondLst>
-                      <p:childTnLst>
-                        <p:par>
-                          <p:cTn id="4" fill="hold">
-                            <p:stCondLst>
-                              <p:cond delay="0"/>
-                            </p:stCondLst>
-                            <p:childTnLst>
-                              <p:par>
-                                <p:cTn id="5" presetID="10" presetClass="entr" presetSubtype="0" fill="hold" grpId="0" nodeType="withEffect">
-                                  <p:stCondLst>
-                                    <p:cond delay="1000"/>
-                                  </p:stCondLst>
-                                  <p:iterate>
-                                    <p:tmPct val="10000"/>
-                                  </p:iterate>
-                                  <p:childTnLst>
-                                    <p:set>
-                                      <p:cBhvr>
-                                        <p:cTn id="6" dur="1" fill="hold">
-                                          <p:stCondLst>
-                                            <p:cond delay="0"/>
-                                          </p:stCondLst>
-                                        </p:cTn>
-                                        <p:tgtEl>
-                                          <p:spTgt spid="2"/>
-                                        </p:tgtEl>
-                                        <p:attrNameLst>
-                                          <p:attrName>style.visibility</p:attrName>
-                                        </p:attrNameLst>
-                                      </p:cBhvr>
-                                      <p:to>
-                                        <p:strVal val="visible"/>
-                                      </p:to>
-                                    </p:set>
-                                    <p:animEffect transition="in" filter="fade">
-                                      <p:cBhvr>
-                                        <p:cTn id="7" dur="700"/>
-                                        <p:tgtEl>
-                                          <p:spTgt spid="2"/>
-                                        </p:tgtEl>
-                                      </p:cBhvr>
-                                    </p:animEffect>
-                                  </p:childTnLst>
-                                </p:cTn>
-                              </p:par>
-                            </p:childTnLst>
-                          </p:cTn>
-                        </p:par>
-                      </p:childTnLst>
-                    </p:cTn>
-                  </p:par>
-                </p:childTnLst>
-              </p:cTn>
-              <p:prevCondLst>
-                <p:cond evt="onPrev" delay="0">
-                  <p:tgtEl>
-                    <p:sldTgt/>
-                  </p:tgtEl>
-                </p:cond>
-              </p:prevCondLst>
-              <p:nextCondLst>
-                <p:cond evt="onNext" delay="0">
-                  <p:tgtEl>
-                    <p:sldTgt/>
-                  </p:tgtEl>
-                </p:cond>
-              </p:nextCondLst>
-            </p:seq>
-          </p:childTnLst>
-        </p:cTn>
-      </p:par>
-    </p:tnLst>
-    <p:bldLst>
-      <p:bldP spid="2" grpId="0"/>
-    </p:bldLst>
-  </p:timing>
 </p:sld>
 </file>
 
@@ -7792,8 +7705,8 @@
           <a:lstStyle/>
           <a:p>
             <a:r>
-              <a:rPr lang="en-US" sz="7200"/>
-              <a:t>Box Art Work</a:t>
+              <a:rPr lang="en-US" sz="7200" dirty="0"/>
+              <a:t>Box Artwork</a:t>
             </a:r>
           </a:p>
         </p:txBody>
@@ -8424,98 +8337,6 @@
   <p:clrMapOvr>
     <a:overrideClrMapping bg1="dk1" tx1="lt1" bg2="dk2" tx2="lt2" accent1="accent1" accent2="accent2" accent3="accent3" accent4="accent4" accent5="accent5" accent6="accent6" hlink="hlink" folHlink="folHlink"/>
   </p:clrMapOvr>
-  <p:timing>
-    <p:tnLst>
-      <p:par>
-        <p:cTn id="1" dur="indefinite" restart="never" nodeType="tmRoot">
-          <p:childTnLst>
-            <p:seq concurrent="1" nextAc="seek">
-              <p:cTn id="2" dur="indefinite" nodeType="mainSeq">
-                <p:childTnLst>
-                  <p:par>
-                    <p:cTn id="3" fill="hold">
-                      <p:stCondLst>
-                        <p:cond delay="indefinite"/>
-                        <p:cond evt="onBegin" delay="0">
-                          <p:tn val="2"/>
-                        </p:cond>
-                      </p:stCondLst>
-                      <p:childTnLst>
-                        <p:par>
-                          <p:cTn id="4" fill="hold">
-                            <p:stCondLst>
-                              <p:cond delay="0"/>
-                            </p:stCondLst>
-                            <p:childTnLst>
-                              <p:par>
-                                <p:cTn id="5" presetID="10" presetClass="entr" presetSubtype="0" fill="hold" grpId="0" nodeType="withEffect">
-                                  <p:stCondLst>
-                                    <p:cond delay="1000"/>
-                                  </p:stCondLst>
-                                  <p:iterate>
-                                    <p:tmPct val="10000"/>
-                                  </p:iterate>
-                                  <p:childTnLst>
-                                    <p:set>
-                                      <p:cBhvr>
-                                        <p:cTn id="6" dur="1" fill="hold">
-                                          <p:stCondLst>
-                                            <p:cond delay="0"/>
-                                          </p:stCondLst>
-                                        </p:cTn>
-                                        <p:tgtEl>
-                                          <p:spTgt spid="2"/>
-                                        </p:tgtEl>
-                                        <p:attrNameLst>
-                                          <p:attrName>style.visibility</p:attrName>
-                                        </p:attrNameLst>
-                                      </p:cBhvr>
-                                      <p:to>
-                                        <p:strVal val="visible"/>
-                                      </p:to>
-                                    </p:set>
-                                    <p:animEffect transition="in" filter="fade">
-                                      <p:cBhvr>
-                                        <p:cTn id="7" dur="700"/>
-                                        <p:tgtEl>
-                                          <p:spTgt spid="2"/>
-                                        </p:tgtEl>
-                                      </p:cBhvr>
-                                    </p:animEffect>
-                                  </p:childTnLst>
-                                </p:cTn>
-                              </p:par>
-                            </p:childTnLst>
-                          </p:cTn>
-                        </p:par>
-                      </p:childTnLst>
-                    </p:cTn>
-                  </p:par>
-                </p:childTnLst>
-              </p:cTn>
-              <p:prevCondLst>
-                <p:cond evt="onPrev" delay="0">
-                  <p:tgtEl>
-                    <p:sldTgt/>
-                  </p:tgtEl>
-                </p:cond>
-              </p:prevCondLst>
-              <p:nextCondLst>
-                <p:cond evt="onNext" delay="0">
-                  <p:tgtEl>
-                    <p:sldTgt/>
-                  </p:tgtEl>
-                </p:cond>
-              </p:nextCondLst>
-            </p:seq>
-          </p:childTnLst>
-        </p:cTn>
-      </p:par>
-    </p:tnLst>
-    <p:bldLst>
-      <p:bldP spid="2" grpId="0"/>
-    </p:bldLst>
-  </p:timing>
 </p:sld>
 </file>
 
@@ -9126,6 +8947,93 @@
           </a:p>
         </p:txBody>
       </p:sp>
+      <p:pic>
+        <p:nvPicPr>
+          <p:cNvPr id="6" name="Picture 5" descr="A picture containing rock, outdoor, grass, nature&#10;&#10;Description automatically generated">
+            <a:extLst>
+              <a:ext uri="{FF2B5EF4-FFF2-40B4-BE49-F238E27FC236}">
+                <a16:creationId xmlns:a16="http://schemas.microsoft.com/office/drawing/2014/main" id="{1EE47A28-C4FD-41A1-9329-871B7D826C2F}"/>
+              </a:ext>
+            </a:extLst>
+          </p:cNvPr>
+          <p:cNvPicPr>
+            <a:picLocks noChangeAspect="1"/>
+          </p:cNvPicPr>
+          <p:nvPr/>
+        </p:nvPicPr>
+        <p:blipFill>
+          <a:blip r:embed="rId2">
+            <a:extLst>
+              <a:ext uri="{28A0092B-C50C-407E-A947-70E740481C1C}">
+                <a14:useLocalDpi xmlns:a14="http://schemas.microsoft.com/office/drawing/2010/main" val="0"/>
+              </a:ext>
+              <a:ext uri="{837473B0-CC2E-450A-ABE3-18F120FF3D39}">
+                <a1611:picAttrSrcUrl xmlns:a1611="http://schemas.microsoft.com/office/drawing/2016/11/main" r:id="rId3"/>
+              </a:ext>
+            </a:extLst>
+          </a:blip>
+          <a:stretch>
+            <a:fillRect/>
+          </a:stretch>
+        </p:blipFill>
+        <p:spPr>
+          <a:xfrm>
+            <a:off x="422683" y="2560781"/>
+            <a:ext cx="5347855" cy="4010891"/>
+          </a:xfrm>
+          <a:prstGeom prst="rect">
+            <a:avLst/>
+          </a:prstGeom>
+        </p:spPr>
+      </p:pic>
+      <p:sp>
+        <p:nvSpPr>
+          <p:cNvPr id="7" name="TextBox 6">
+            <a:extLst>
+              <a:ext uri="{FF2B5EF4-FFF2-40B4-BE49-F238E27FC236}">
+                <a16:creationId xmlns:a16="http://schemas.microsoft.com/office/drawing/2014/main" id="{20E8BE63-8DD9-4193-8CB9-41C7B21D9DA7}"/>
+              </a:ext>
+            </a:extLst>
+          </p:cNvPr>
+          <p:cNvSpPr txBox="1"/>
+          <p:nvPr/>
+        </p:nvSpPr>
+        <p:spPr>
+          <a:xfrm>
+            <a:off x="422683" y="6485292"/>
+            <a:ext cx="5347855" cy="230832"/>
+          </a:xfrm>
+          <a:prstGeom prst="rect">
+            <a:avLst/>
+          </a:prstGeom>
+          <a:noFill/>
+        </p:spPr>
+        <p:txBody>
+          <a:bodyPr wrap="square" rtlCol="0">
+            <a:spAutoFit/>
+          </a:bodyPr>
+          <a:lstStyle/>
+          <a:p>
+            <a:r>
+              <a:rPr lang="en-US" sz="900">
+                <a:hlinkClick r:id="rId3" tooltip="https://en.wikipedia.org/wiki/Kozarnika"/>
+              </a:rPr>
+              <a:t>This Photo</a:t>
+            </a:r>
+            <a:r>
+              <a:rPr lang="en-US" sz="900"/>
+              <a:t> by Unknown Author is licensed under </a:t>
+            </a:r>
+            <a:r>
+              <a:rPr lang="en-US" sz="900">
+                <a:hlinkClick r:id="rId4" tooltip="https://creativecommons.org/licenses/by-sa/3.0/"/>
+              </a:rPr>
+              <a:t>CC BY-SA</a:t>
+            </a:r>
+            <a:endParaRPr lang="en-US" sz="900"/>
+          </a:p>
+        </p:txBody>
+      </p:sp>
     </p:spTree>
     <p:extLst>
       <p:ext uri="{BB962C8B-B14F-4D97-AF65-F5344CB8AC3E}">
@@ -9593,6 +9501,132 @@
               <a:buNone/>
             </a:pPr>
             <a:endParaRPr lang="en-US" dirty="0"/>
+          </a:p>
+        </p:txBody>
+      </p:sp>
+      <p:pic>
+        <p:nvPicPr>
+          <p:cNvPr id="5" name="Picture 4" descr="A picture containing nature, fire, cooking, pan&#10;&#10;Description automatically generated">
+            <a:extLst>
+              <a:ext uri="{FF2B5EF4-FFF2-40B4-BE49-F238E27FC236}">
+                <a16:creationId xmlns:a16="http://schemas.microsoft.com/office/drawing/2014/main" id="{D810B87F-6810-4FC1-9BBB-01B167DC6A9B}"/>
+              </a:ext>
+            </a:extLst>
+          </p:cNvPr>
+          <p:cNvPicPr>
+            <a:picLocks noChangeAspect="1"/>
+          </p:cNvPicPr>
+          <p:nvPr/>
+        </p:nvPicPr>
+        <p:blipFill>
+          <a:blip r:embed="rId2">
+            <a:extLst>
+              <a:ext uri="{28A0092B-C50C-407E-A947-70E740481C1C}">
+                <a14:useLocalDpi xmlns:a14="http://schemas.microsoft.com/office/drawing/2010/main" val="0"/>
+              </a:ext>
+              <a:ext uri="{837473B0-CC2E-450A-ABE3-18F120FF3D39}">
+                <a1611:picAttrSrcUrl xmlns:a1611="http://schemas.microsoft.com/office/drawing/2016/11/main" r:id="rId3"/>
+              </a:ext>
+            </a:extLst>
+          </a:blip>
+          <a:stretch>
+            <a:fillRect/>
+          </a:stretch>
+        </p:blipFill>
+        <p:spPr>
+          <a:xfrm>
+            <a:off x="666040" y="4021109"/>
+            <a:ext cx="3990109" cy="2655916"/>
+          </a:xfrm>
+          <a:prstGeom prst="rect">
+            <a:avLst/>
+          </a:prstGeom>
+        </p:spPr>
+      </p:pic>
+      <p:pic>
+        <p:nvPicPr>
+          <p:cNvPr id="12" name="Picture 11">
+            <a:extLst>
+              <a:ext uri="{FF2B5EF4-FFF2-40B4-BE49-F238E27FC236}">
+                <a16:creationId xmlns:a16="http://schemas.microsoft.com/office/drawing/2014/main" id="{5A3F9BD8-49F4-4EDA-BED6-5C1E40A6A8E4}"/>
+              </a:ext>
+            </a:extLst>
+          </p:cNvPr>
+          <p:cNvPicPr>
+            <a:picLocks noChangeAspect="1"/>
+          </p:cNvPicPr>
+          <p:nvPr/>
+        </p:nvPicPr>
+        <p:blipFill>
+          <a:blip r:embed="rId4">
+            <a:extLst>
+              <a:ext uri="{28A0092B-C50C-407E-A947-70E740481C1C}">
+                <a14:useLocalDpi xmlns:a14="http://schemas.microsoft.com/office/drawing/2010/main" val="0"/>
+              </a:ext>
+              <a:ext uri="{837473B0-CC2E-450A-ABE3-18F120FF3D39}">
+                <a1611:picAttrSrcUrl xmlns:a1611="http://schemas.microsoft.com/office/drawing/2016/11/main" r:id="rId5"/>
+              </a:ext>
+            </a:extLst>
+          </a:blip>
+          <a:stretch>
+            <a:fillRect/>
+          </a:stretch>
+        </p:blipFill>
+        <p:spPr>
+          <a:xfrm>
+            <a:off x="7593993" y="4611207"/>
+            <a:ext cx="3931967" cy="2065818"/>
+          </a:xfrm>
+          <a:prstGeom prst="rect">
+            <a:avLst/>
+          </a:prstGeom>
+        </p:spPr>
+      </p:pic>
+      <p:sp>
+        <p:nvSpPr>
+          <p:cNvPr id="13" name="TextBox 12">
+            <a:extLst>
+              <a:ext uri="{FF2B5EF4-FFF2-40B4-BE49-F238E27FC236}">
+                <a16:creationId xmlns:a16="http://schemas.microsoft.com/office/drawing/2014/main" id="{9D51DE78-1796-4BBC-83D0-9475D6D6AB9F}"/>
+              </a:ext>
+            </a:extLst>
+          </p:cNvPr>
+          <p:cNvSpPr txBox="1"/>
+          <p:nvPr/>
+        </p:nvSpPr>
+        <p:spPr>
+          <a:xfrm>
+            <a:off x="7593993" y="6894076"/>
+            <a:ext cx="3931967" cy="230832"/>
+          </a:xfrm>
+          <a:prstGeom prst="rect">
+            <a:avLst/>
+          </a:prstGeom>
+          <a:noFill/>
+        </p:spPr>
+        <p:txBody>
+          <a:bodyPr wrap="square" rtlCol="0">
+            <a:spAutoFit/>
+          </a:bodyPr>
+          <a:lstStyle/>
+          <a:p>
+            <a:r>
+              <a:rPr lang="en-US" sz="900">
+                <a:hlinkClick r:id="rId5" tooltip="http://www.emeraldguardians.nl.eu.org/2012/12/azure-dragon-society-nexus-96st.html"/>
+              </a:rPr>
+              <a:t>This Photo</a:t>
+            </a:r>
+            <a:r>
+              <a:rPr lang="en-US" sz="900"/>
+              <a:t> by Unknown Author is licensed under </a:t>
+            </a:r>
+            <a:r>
+              <a:rPr lang="en-US" sz="900">
+                <a:hlinkClick r:id="rId6" tooltip="https://creativecommons.org/licenses/by-nc-sa/3.0/"/>
+              </a:rPr>
+              <a:t>CC BY-SA-NC</a:t>
+            </a:r>
+            <a:endParaRPr lang="en-US" sz="900"/>
           </a:p>
         </p:txBody>
       </p:sp>
@@ -10634,6 +10668,93 @@
           </a:p>
         </p:txBody>
       </p:sp>
+      <p:pic>
+        <p:nvPicPr>
+          <p:cNvPr id="5" name="Picture 4" descr="A planet with many rings around it&#10;&#10;Description automatically generated with low confidence">
+            <a:extLst>
+              <a:ext uri="{FF2B5EF4-FFF2-40B4-BE49-F238E27FC236}">
+                <a16:creationId xmlns:a16="http://schemas.microsoft.com/office/drawing/2014/main" id="{39337BF9-072E-4FB0-8B40-9482214CD01D}"/>
+              </a:ext>
+            </a:extLst>
+          </p:cNvPr>
+          <p:cNvPicPr>
+            <a:picLocks noChangeAspect="1"/>
+          </p:cNvPicPr>
+          <p:nvPr/>
+        </p:nvPicPr>
+        <p:blipFill>
+          <a:blip r:embed="rId2">
+            <a:extLst>
+              <a:ext uri="{28A0092B-C50C-407E-A947-70E740481C1C}">
+                <a14:useLocalDpi xmlns:a14="http://schemas.microsoft.com/office/drawing/2010/main" val="0"/>
+              </a:ext>
+              <a:ext uri="{837473B0-CC2E-450A-ABE3-18F120FF3D39}">
+                <a1611:picAttrSrcUrl xmlns:a1611="http://schemas.microsoft.com/office/drawing/2016/11/main" r:id="rId3"/>
+              </a:ext>
+            </a:extLst>
+          </a:blip>
+          <a:stretch>
+            <a:fillRect/>
+          </a:stretch>
+        </p:blipFill>
+        <p:spPr>
+          <a:xfrm>
+            <a:off x="9616201" y="4420998"/>
+            <a:ext cx="2264485" cy="2295236"/>
+          </a:xfrm>
+          <a:prstGeom prst="rect">
+            <a:avLst/>
+          </a:prstGeom>
+        </p:spPr>
+      </p:pic>
+      <p:sp>
+        <p:nvSpPr>
+          <p:cNvPr id="6" name="TextBox 5">
+            <a:extLst>
+              <a:ext uri="{FF2B5EF4-FFF2-40B4-BE49-F238E27FC236}">
+                <a16:creationId xmlns:a16="http://schemas.microsoft.com/office/drawing/2014/main" id="{D0523D12-1117-497D-96BA-8063ADA32361}"/>
+              </a:ext>
+            </a:extLst>
+          </p:cNvPr>
+          <p:cNvSpPr txBox="1"/>
+          <p:nvPr/>
+        </p:nvSpPr>
+        <p:spPr>
+          <a:xfrm>
+            <a:off x="9616202" y="6869810"/>
+            <a:ext cx="1581968" cy="369332"/>
+          </a:xfrm>
+          <a:prstGeom prst="rect">
+            <a:avLst/>
+          </a:prstGeom>
+          <a:noFill/>
+        </p:spPr>
+        <p:txBody>
+          <a:bodyPr wrap="square" rtlCol="0">
+            <a:spAutoFit/>
+          </a:bodyPr>
+          <a:lstStyle/>
+          <a:p>
+            <a:r>
+              <a:rPr lang="en-US" sz="900">
+                <a:hlinkClick r:id="rId3" tooltip="https://paulinemoss.deviantart.com/art/Multi-Coloured-Planet-308132355"/>
+              </a:rPr>
+              <a:t>This Photo</a:t>
+            </a:r>
+            <a:r>
+              <a:rPr lang="en-US" sz="900"/>
+              <a:t> by Unknown Author is licensed under </a:t>
+            </a:r>
+            <a:r>
+              <a:rPr lang="en-US" sz="900">
+                <a:hlinkClick r:id="rId4" tooltip="https://creativecommons.org/licenses/by-nc/3.0/"/>
+              </a:rPr>
+              <a:t>CC BY-NC</a:t>
+            </a:r>
+            <a:endParaRPr lang="en-US" sz="900"/>
+          </a:p>
+        </p:txBody>
+      </p:sp>
     </p:spTree>
     <p:extLst>
       <p:ext uri="{BB962C8B-B14F-4D97-AF65-F5344CB8AC3E}">
@@ -11304,7 +11425,7 @@
                   <a:srgbClr val="FFFFFF"/>
                 </a:solidFill>
               </a:rPr>
-              <a:t>Creates new inventions with the materials given to him</a:t>
+              <a:t>Creates new inventions with the materials available to him</a:t>
             </a:r>
           </a:p>
           <a:p>
@@ -11772,6 +11893,180 @@
           </a:p>
         </p:txBody>
       </p:sp>
+      <p:pic>
+        <p:nvPicPr>
+          <p:cNvPr id="5" name="Picture 4" descr="A picture containing person, person, wearing, suit&#10;&#10;Description automatically generated">
+            <a:extLst>
+              <a:ext uri="{FF2B5EF4-FFF2-40B4-BE49-F238E27FC236}">
+                <a16:creationId xmlns:a16="http://schemas.microsoft.com/office/drawing/2014/main" id="{875CAE44-70E2-47A6-8C98-640B3070019E}"/>
+              </a:ext>
+            </a:extLst>
+          </p:cNvPr>
+          <p:cNvPicPr>
+            <a:picLocks noChangeAspect="1"/>
+          </p:cNvPicPr>
+          <p:nvPr/>
+        </p:nvPicPr>
+        <p:blipFill>
+          <a:blip r:embed="rId2">
+            <a:extLst>
+              <a:ext uri="{28A0092B-C50C-407E-A947-70E740481C1C}">
+                <a14:useLocalDpi xmlns:a14="http://schemas.microsoft.com/office/drawing/2010/main" val="0"/>
+              </a:ext>
+              <a:ext uri="{837473B0-CC2E-450A-ABE3-18F120FF3D39}">
+                <a1611:picAttrSrcUrl xmlns:a1611="http://schemas.microsoft.com/office/drawing/2016/11/main" r:id="rId3"/>
+              </a:ext>
+            </a:extLst>
+          </a:blip>
+          <a:stretch>
+            <a:fillRect/>
+          </a:stretch>
+        </p:blipFill>
+        <p:spPr>
+          <a:xfrm>
+            <a:off x="174034" y="3096741"/>
+            <a:ext cx="2569166" cy="3761259"/>
+          </a:xfrm>
+          <a:prstGeom prst="rect">
+            <a:avLst/>
+          </a:prstGeom>
+        </p:spPr>
+      </p:pic>
+      <p:sp>
+        <p:nvSpPr>
+          <p:cNvPr id="6" name="TextBox 5">
+            <a:extLst>
+              <a:ext uri="{FF2B5EF4-FFF2-40B4-BE49-F238E27FC236}">
+                <a16:creationId xmlns:a16="http://schemas.microsoft.com/office/drawing/2014/main" id="{522D7186-4134-4DC4-8CEA-B40468724C49}"/>
+              </a:ext>
+            </a:extLst>
+          </p:cNvPr>
+          <p:cNvSpPr txBox="1"/>
+          <p:nvPr/>
+        </p:nvSpPr>
+        <p:spPr>
+          <a:xfrm>
+            <a:off x="174034" y="6215981"/>
+            <a:ext cx="1579442" cy="369332"/>
+          </a:xfrm>
+          <a:prstGeom prst="rect">
+            <a:avLst/>
+          </a:prstGeom>
+          <a:noFill/>
+        </p:spPr>
+        <p:txBody>
+          <a:bodyPr wrap="square" rtlCol="0">
+            <a:spAutoFit/>
+          </a:bodyPr>
+          <a:lstStyle/>
+          <a:p>
+            <a:r>
+              <a:rPr lang="en-US" sz="900">
+                <a:hlinkClick r:id="rId3" tooltip="http://pngimg.com/download/11430"/>
+              </a:rPr>
+              <a:t>This Photo</a:t>
+            </a:r>
+            <a:r>
+              <a:rPr lang="en-US" sz="900"/>
+              <a:t> by Unknown Author is licensed under </a:t>
+            </a:r>
+            <a:r>
+              <a:rPr lang="en-US" sz="900">
+                <a:hlinkClick r:id="rId4" tooltip="https://creativecommons.org/licenses/by-nc/3.0/"/>
+              </a:rPr>
+              <a:t>CC BY-NC</a:t>
+            </a:r>
+            <a:endParaRPr lang="en-US" sz="900"/>
+          </a:p>
+        </p:txBody>
+      </p:sp>
+      <p:pic>
+        <p:nvPicPr>
+          <p:cNvPr id="8" name="Picture 7">
+            <a:extLst>
+              <a:ext uri="{FF2B5EF4-FFF2-40B4-BE49-F238E27FC236}">
+                <a16:creationId xmlns:a16="http://schemas.microsoft.com/office/drawing/2014/main" id="{09204F89-4468-4B5F-8ED2-FDA6E4C5FD91}"/>
+              </a:ext>
+            </a:extLst>
+          </p:cNvPr>
+          <p:cNvPicPr>
+            <a:picLocks noChangeAspect="1"/>
+          </p:cNvPicPr>
+          <p:nvPr/>
+        </p:nvPicPr>
+        <p:blipFill>
+          <a:blip r:embed="rId5">
+            <a:extLst>
+              <a:ext uri="{28A0092B-C50C-407E-A947-70E740481C1C}">
+                <a14:useLocalDpi xmlns:a14="http://schemas.microsoft.com/office/drawing/2010/main" val="0"/>
+              </a:ext>
+              <a:ext uri="{837473B0-CC2E-450A-ABE3-18F120FF3D39}">
+                <a1611:picAttrSrcUrl xmlns:a1611="http://schemas.microsoft.com/office/drawing/2016/11/main" r:id="rId6"/>
+              </a:ext>
+            </a:extLst>
+          </a:blip>
+          <a:stretch>
+            <a:fillRect/>
+          </a:stretch>
+        </p:blipFill>
+        <p:spPr>
+          <a:xfrm>
+            <a:off x="9396125" y="3958926"/>
+            <a:ext cx="2785735" cy="1463599"/>
+          </a:xfrm>
+          <a:prstGeom prst="rect">
+            <a:avLst/>
+          </a:prstGeom>
+        </p:spPr>
+      </p:pic>
+      <p:sp>
+        <p:nvSpPr>
+          <p:cNvPr id="9" name="TextBox 8">
+            <a:extLst>
+              <a:ext uri="{FF2B5EF4-FFF2-40B4-BE49-F238E27FC236}">
+                <a16:creationId xmlns:a16="http://schemas.microsoft.com/office/drawing/2014/main" id="{93087F88-D639-4A3B-B07B-BD285BBE3D8D}"/>
+              </a:ext>
+            </a:extLst>
+          </p:cNvPr>
+          <p:cNvSpPr txBox="1"/>
+          <p:nvPr/>
+        </p:nvSpPr>
+        <p:spPr>
+          <a:xfrm>
+            <a:off x="9403217" y="5313822"/>
+            <a:ext cx="2778643" cy="230832"/>
+          </a:xfrm>
+          <a:prstGeom prst="rect">
+            <a:avLst/>
+          </a:prstGeom>
+          <a:noFill/>
+        </p:spPr>
+        <p:txBody>
+          <a:bodyPr wrap="square" rtlCol="0">
+            <a:spAutoFit/>
+          </a:bodyPr>
+          <a:lstStyle/>
+          <a:p>
+            <a:r>
+              <a:rPr lang="en-US" sz="900">
+                <a:hlinkClick r:id="rId6" tooltip="http://www.emeraldguardians.nl.eu.org/2012/12/azure-dragon-society-nexus-96st.html"/>
+              </a:rPr>
+              <a:t>This Photo</a:t>
+            </a:r>
+            <a:r>
+              <a:rPr lang="en-US" sz="900"/>
+              <a:t> by Unknown Author is licensed under </a:t>
+            </a:r>
+            <a:r>
+              <a:rPr lang="en-US" sz="900">
+                <a:hlinkClick r:id="rId7" tooltip="https://creativecommons.org/licenses/by-nc-sa/3.0/"/>
+              </a:rPr>
+              <a:t>CC BY-SA-NC</a:t>
+            </a:r>
+            <a:endParaRPr lang="en-US" sz="900"/>
+          </a:p>
+        </p:txBody>
+      </p:sp>
     </p:spTree>
     <p:extLst>
       <p:ext uri="{BB962C8B-B14F-4D97-AF65-F5344CB8AC3E}">
@@ -13420,7 +13715,7 @@
                   <a:srgbClr val="FFFFFF"/>
                 </a:solidFill>
               </a:rPr>
-              <a:t>I would prefer to use Unity as it is relatively simple to use while still offering many incredible features to take advantage of. I would also like to use it because it uses C# and can use everything available to that language.</a:t>
+              <a:t>I would prefer to use Unity as it is relatively simple to use while still offering many incredible features to take advantage of. I would also like to use it because it uses C# and can take advantage of everything available to that language.</a:t>
             </a:r>
           </a:p>
         </p:txBody>
@@ -13435,98 +13730,6 @@
   <p:clrMapOvr>
     <a:masterClrMapping/>
   </p:clrMapOvr>
-  <p:timing>
-    <p:tnLst>
-      <p:par>
-        <p:cTn id="1" dur="indefinite" restart="never" nodeType="tmRoot">
-          <p:childTnLst>
-            <p:seq concurrent="1" nextAc="seek">
-              <p:cTn id="2" dur="indefinite" nodeType="mainSeq">
-                <p:childTnLst>
-                  <p:par>
-                    <p:cTn id="3" fill="hold">
-                      <p:stCondLst>
-                        <p:cond delay="indefinite"/>
-                        <p:cond evt="onBegin" delay="0">
-                          <p:tn val="2"/>
-                        </p:cond>
-                      </p:stCondLst>
-                      <p:childTnLst>
-                        <p:par>
-                          <p:cTn id="4" fill="hold">
-                            <p:stCondLst>
-                              <p:cond delay="0"/>
-                            </p:stCondLst>
-                            <p:childTnLst>
-                              <p:par>
-                                <p:cTn id="5" presetID="10" presetClass="entr" presetSubtype="0" fill="hold" grpId="0" nodeType="withEffect">
-                                  <p:stCondLst>
-                                    <p:cond delay="1000"/>
-                                  </p:stCondLst>
-                                  <p:iterate type="lt">
-                                    <p:tmPct val="10000"/>
-                                  </p:iterate>
-                                  <p:childTnLst>
-                                    <p:set>
-                                      <p:cBhvr>
-                                        <p:cTn id="6" dur="1" fill="hold">
-                                          <p:stCondLst>
-                                            <p:cond delay="0"/>
-                                          </p:stCondLst>
-                                        </p:cTn>
-                                        <p:tgtEl>
-                                          <p:spTgt spid="2"/>
-                                        </p:tgtEl>
-                                        <p:attrNameLst>
-                                          <p:attrName>style.visibility</p:attrName>
-                                        </p:attrNameLst>
-                                      </p:cBhvr>
-                                      <p:to>
-                                        <p:strVal val="visible"/>
-                                      </p:to>
-                                    </p:set>
-                                    <p:animEffect transition="in" filter="fade">
-                                      <p:cBhvr>
-                                        <p:cTn id="7" dur="400"/>
-                                        <p:tgtEl>
-                                          <p:spTgt spid="2"/>
-                                        </p:tgtEl>
-                                      </p:cBhvr>
-                                    </p:animEffect>
-                                  </p:childTnLst>
-                                </p:cTn>
-                              </p:par>
-                            </p:childTnLst>
-                          </p:cTn>
-                        </p:par>
-                      </p:childTnLst>
-                    </p:cTn>
-                  </p:par>
-                </p:childTnLst>
-              </p:cTn>
-              <p:prevCondLst>
-                <p:cond evt="onPrev" delay="0">
-                  <p:tgtEl>
-                    <p:sldTgt/>
-                  </p:tgtEl>
-                </p:cond>
-              </p:prevCondLst>
-              <p:nextCondLst>
-                <p:cond evt="onNext" delay="0">
-                  <p:tgtEl>
-                    <p:sldTgt/>
-                  </p:tgtEl>
-                </p:cond>
-              </p:nextCondLst>
-            </p:seq>
-          </p:childTnLst>
-        </p:cTn>
-      </p:par>
-    </p:tnLst>
-    <p:bldLst>
-      <p:bldP spid="2" grpId="0"/>
-    </p:bldLst>
-  </p:timing>
 </p:sld>
 </file>
 
